--- a/Yu Feng CRC-fungi-Re1 (JY)/Figure 5-Re (JY)-Re (YF).pptx
+++ b/Yu Feng CRC-fungi-Re1 (JY)/Figure 5-Re (JY)-Re (YF).pptx
@@ -122,20 +122,6 @@
     </p:extLst>
   </p:cmAuthor>
 </p:cmAuthorLst>
-</file>
-
-<file path=ppt/comments/comment1.xml><?xml version="1.0" encoding="utf-8"?>
-<p:cmLst xmlns:a="http://schemas.openxmlformats.org/drawingml/2006/main" xmlns:r="http://schemas.openxmlformats.org/officeDocument/2006/relationships" xmlns:p="http://schemas.openxmlformats.org/presentationml/2006/main">
-  <p:cm authorId="1" dt="2021-10-18T16:47:47.331" idx="4">
-    <p:pos x="1480" y="2542"/>
-    <p:text>please consider to chnge the grey collor to black</p:text>
-    <p:extLst>
-      <p:ext uri="{C676402C-5697-4E1C-873F-D02D1690AC5C}">
-        <p15:threadingInfo xmlns:p15="http://schemas.microsoft.com/office/powerpoint/2012/main" timeZoneBias="-480"/>
-      </p:ext>
-    </p:extLst>
-  </p:cm>
-</p:cmLst>
 </file>
 
 <file path=ppt/slideLayouts/slideLayout1.xml><?xml version="1.0" encoding="utf-8"?>
@@ -269,7 +255,7 @@
           <a:p>
             <a:fld id="{EC74FADF-D0C6-45B9-9519-8E9831A40386}" type="datetimeFigureOut">
               <a:rPr lang="en-HK" smtClean="0"/>
-              <a:t>20/10/2021</a:t>
+              <a:t>21/10/2021</a:t>
             </a:fld>
             <a:endParaRPr lang="en-HK"/>
           </a:p>
@@ -439,7 +425,7 @@
           <a:p>
             <a:fld id="{EC74FADF-D0C6-45B9-9519-8E9831A40386}" type="datetimeFigureOut">
               <a:rPr lang="en-HK" smtClean="0"/>
-              <a:t>20/10/2021</a:t>
+              <a:t>21/10/2021</a:t>
             </a:fld>
             <a:endParaRPr lang="en-HK"/>
           </a:p>
@@ -619,7 +605,7 @@
           <a:p>
             <a:fld id="{EC74FADF-D0C6-45B9-9519-8E9831A40386}" type="datetimeFigureOut">
               <a:rPr lang="en-HK" smtClean="0"/>
-              <a:t>20/10/2021</a:t>
+              <a:t>21/10/2021</a:t>
             </a:fld>
             <a:endParaRPr lang="en-HK"/>
           </a:p>
@@ -789,7 +775,7 @@
           <a:p>
             <a:fld id="{EC74FADF-D0C6-45B9-9519-8E9831A40386}" type="datetimeFigureOut">
               <a:rPr lang="en-HK" smtClean="0"/>
-              <a:t>20/10/2021</a:t>
+              <a:t>21/10/2021</a:t>
             </a:fld>
             <a:endParaRPr lang="en-HK"/>
           </a:p>
@@ -1033,7 +1019,7 @@
           <a:p>
             <a:fld id="{EC74FADF-D0C6-45B9-9519-8E9831A40386}" type="datetimeFigureOut">
               <a:rPr lang="en-HK" smtClean="0"/>
-              <a:t>20/10/2021</a:t>
+              <a:t>21/10/2021</a:t>
             </a:fld>
             <a:endParaRPr lang="en-HK"/>
           </a:p>
@@ -1265,7 +1251,7 @@
           <a:p>
             <a:fld id="{EC74FADF-D0C6-45B9-9519-8E9831A40386}" type="datetimeFigureOut">
               <a:rPr lang="en-HK" smtClean="0"/>
-              <a:t>20/10/2021</a:t>
+              <a:t>21/10/2021</a:t>
             </a:fld>
             <a:endParaRPr lang="en-HK"/>
           </a:p>
@@ -1632,7 +1618,7 @@
           <a:p>
             <a:fld id="{EC74FADF-D0C6-45B9-9519-8E9831A40386}" type="datetimeFigureOut">
               <a:rPr lang="en-HK" smtClean="0"/>
-              <a:t>20/10/2021</a:t>
+              <a:t>21/10/2021</a:t>
             </a:fld>
             <a:endParaRPr lang="en-HK"/>
           </a:p>
@@ -1750,7 +1736,7 @@
           <a:p>
             <a:fld id="{EC74FADF-D0C6-45B9-9519-8E9831A40386}" type="datetimeFigureOut">
               <a:rPr lang="en-HK" smtClean="0"/>
-              <a:t>20/10/2021</a:t>
+              <a:t>21/10/2021</a:t>
             </a:fld>
             <a:endParaRPr lang="en-HK"/>
           </a:p>
@@ -1845,7 +1831,7 @@
           <a:p>
             <a:fld id="{EC74FADF-D0C6-45B9-9519-8E9831A40386}" type="datetimeFigureOut">
               <a:rPr lang="en-HK" smtClean="0"/>
-              <a:t>20/10/2021</a:t>
+              <a:t>21/10/2021</a:t>
             </a:fld>
             <a:endParaRPr lang="en-HK"/>
           </a:p>
@@ -2122,7 +2108,7 @@
           <a:p>
             <a:fld id="{EC74FADF-D0C6-45B9-9519-8E9831A40386}" type="datetimeFigureOut">
               <a:rPr lang="en-HK" smtClean="0"/>
-              <a:t>20/10/2021</a:t>
+              <a:t>21/10/2021</a:t>
             </a:fld>
             <a:endParaRPr lang="en-HK"/>
           </a:p>
@@ -2379,7 +2365,7 @@
           <a:p>
             <a:fld id="{EC74FADF-D0C6-45B9-9519-8E9831A40386}" type="datetimeFigureOut">
               <a:rPr lang="en-HK" smtClean="0"/>
-              <a:t>20/10/2021</a:t>
+              <a:t>21/10/2021</a:t>
             </a:fld>
             <a:endParaRPr lang="en-HK"/>
           </a:p>
@@ -2592,7 +2578,7 @@
           <a:p>
             <a:fld id="{EC74FADF-D0C6-45B9-9519-8E9831A40386}" type="datetimeFigureOut">
               <a:rPr lang="en-HK" smtClean="0"/>
-              <a:t>20/10/2021</a:t>
+              <a:t>21/10/2021</a:t>
             </a:fld>
             <a:endParaRPr lang="en-HK"/>
           </a:p>
@@ -4945,8 +4931,8 @@
           <p:nvPr/>
         </p:nvSpPr>
         <p:spPr>
-          <a:xfrm>
-            <a:off x="567754" y="5210934"/>
+          <a:xfrm rot="16200000">
+            <a:off x="1130459" y="6774021"/>
             <a:ext cx="941475" cy="584775"/>
           </a:xfrm>
           <a:prstGeom prst="rect">
@@ -5052,9 +5038,9 @@
           <p:nvPr/>
         </p:nvSpPr>
         <p:spPr>
-          <a:xfrm>
-            <a:off x="-441581" y="18871449"/>
-            <a:ext cx="2214901" cy="1077218"/>
+          <a:xfrm rot="16200000">
+            <a:off x="-59187" y="20192601"/>
+            <a:ext cx="3233406" cy="584775"/>
           </a:xfrm>
           <a:prstGeom prst="rect">
             <a:avLst/>
@@ -5196,13 +5182,13 @@
           <p:nvPr>
             <p:extLst>
               <p:ext uri="{D42A27DB-BD31-4B8C-83A1-F6EECF244321}">
-                <p14:modId xmlns:p14="http://schemas.microsoft.com/office/powerpoint/2010/main" val="355228286"/>
+                <p14:modId xmlns:p14="http://schemas.microsoft.com/office/powerpoint/2010/main" val="2793658018"/>
               </p:ext>
             </p:extLst>
           </p:nvPr>
         </p:nvGraphicFramePr>
         <p:xfrm>
-          <a:off x="2040016" y="3885060"/>
+          <a:off x="1883232" y="3885060"/>
           <a:ext cx="2412268" cy="6361566"/>
         </p:xfrm>
         <a:graphic>
@@ -6789,13 +6775,13 @@
           <p:nvPr>
             <p:extLst>
               <p:ext uri="{D42A27DB-BD31-4B8C-83A1-F6EECF244321}">
-                <p14:modId xmlns:p14="http://schemas.microsoft.com/office/powerpoint/2010/main" val="794064455"/>
+                <p14:modId xmlns:p14="http://schemas.microsoft.com/office/powerpoint/2010/main" val="4220938391"/>
               </p:ext>
             </p:extLst>
           </p:nvPr>
         </p:nvGraphicFramePr>
         <p:xfrm>
-          <a:off x="1986102" y="17349061"/>
+          <a:off x="1883232" y="17349061"/>
           <a:ext cx="2412268" cy="6314782"/>
         </p:xfrm>
         <a:graphic>
@@ -9929,13 +9915,13 @@
           <p:nvPr>
             <p:extLst>
               <p:ext uri="{D42A27DB-BD31-4B8C-83A1-F6EECF244321}">
-                <p14:modId xmlns:p14="http://schemas.microsoft.com/office/powerpoint/2010/main" val="3144008705"/>
+                <p14:modId xmlns:p14="http://schemas.microsoft.com/office/powerpoint/2010/main" val="1150334331"/>
               </p:ext>
             </p:extLst>
           </p:nvPr>
         </p:nvGraphicFramePr>
         <p:xfrm>
-          <a:off x="4626695" y="620685"/>
+          <a:off x="4626695" y="346365"/>
           <a:ext cx="6292225" cy="3224924"/>
         </p:xfrm>
         <a:graphic>
@@ -10781,27 +10767,8 @@
                           <a:ea typeface="+mn-ea"/>
                           <a:cs typeface="Arial"/>
                         </a:rPr>
-                        <a:t>Bifidobacterium </a:t>
-                      </a:r>
-                      <a:r>
-                        <a:rPr lang="en-US" sz="1800" b="1" kern="1200" spc="-5" dirty="0" err="1">
-                          <a:solidFill>
-                            <a:schemeClr val="tx1"/>
-                          </a:solidFill>
-                          <a:latin typeface="Bahnschrift Condensed" panose="020B0502040204020203" pitchFamily="34" charset="0"/>
-                          <a:ea typeface="+mn-ea"/>
-                          <a:cs typeface="Arial"/>
-                        </a:rPr>
-                        <a:t>catenulatum</a:t>
-                      </a:r>
-                      <a:endParaRPr lang="en-US" sz="1800" b="1" kern="1200" spc="-5" dirty="0">
-                        <a:solidFill>
-                          <a:schemeClr val="tx1"/>
-                        </a:solidFill>
-                        <a:latin typeface="Bahnschrift Condensed" panose="020B0502040204020203" pitchFamily="34" charset="0"/>
-                        <a:ea typeface="+mn-ea"/>
-                        <a:cs typeface="Arial"/>
-                      </a:endParaRPr>
+                        <a:t>Bifidobacterium catenulatum</a:t>
+                      </a:r>
                     </a:p>
                   </a:txBody>
                   <a:tcPr marL="9525" marR="9525" marT="9525" marB="0" vert="eaVert" anchor="ctr">
@@ -10843,27 +10810,8 @@
                           <a:ea typeface="+mn-ea"/>
                           <a:cs typeface="Arial"/>
                         </a:rPr>
-                        <a:t>Streptococcus </a:t>
-                      </a:r>
-                      <a:r>
-                        <a:rPr lang="en-US" sz="1800" b="1" kern="1200" spc="-5" dirty="0" err="1">
-                          <a:solidFill>
-                            <a:srgbClr val="7030A0"/>
-                          </a:solidFill>
-                          <a:latin typeface="Bahnschrift Condensed" panose="020B0502040204020203" pitchFamily="34" charset="0"/>
-                          <a:ea typeface="+mn-ea"/>
-                          <a:cs typeface="Arial"/>
-                        </a:rPr>
-                        <a:t>anginosus</a:t>
-                      </a:r>
-                      <a:endParaRPr lang="en-US" sz="1800" b="1" kern="1200" spc="-5" dirty="0">
-                        <a:solidFill>
-                          <a:srgbClr val="7030A0"/>
-                        </a:solidFill>
-                        <a:latin typeface="Bahnschrift Condensed" panose="020B0502040204020203" pitchFamily="34" charset="0"/>
-                        <a:ea typeface="+mn-ea"/>
-                        <a:cs typeface="Arial"/>
-                      </a:endParaRPr>
+                        <a:t>Streptococcus anginosus</a:t>
+                      </a:r>
                     </a:p>
                   </a:txBody>
                   <a:tcPr marL="9525" marR="9525" marT="9525" marB="0" vert="eaVert" anchor="ctr">
@@ -11163,27 +11111,8 @@
                           <a:ea typeface="+mn-ea"/>
                           <a:cs typeface="Arial"/>
                         </a:rPr>
-                        <a:t>Lactococcus </a:t>
-                      </a:r>
-                      <a:r>
-                        <a:rPr lang="en-US" sz="1800" b="1" kern="1200" spc="-5" dirty="0" err="1">
-                          <a:solidFill>
-                            <a:schemeClr val="tx1"/>
-                          </a:solidFill>
-                          <a:latin typeface="Bahnschrift Condensed" panose="020B0502040204020203" pitchFamily="34" charset="0"/>
-                          <a:ea typeface="+mn-ea"/>
-                          <a:cs typeface="Arial"/>
-                        </a:rPr>
-                        <a:t>garvieae</a:t>
-                      </a:r>
-                      <a:endParaRPr lang="en-US" sz="1800" b="1" kern="1200" spc="-5" dirty="0">
-                        <a:solidFill>
-                          <a:schemeClr val="tx1"/>
-                        </a:solidFill>
-                        <a:latin typeface="Bahnschrift Condensed" panose="020B0502040204020203" pitchFamily="34" charset="0"/>
-                        <a:ea typeface="+mn-ea"/>
-                        <a:cs typeface="Arial"/>
-                      </a:endParaRPr>
+                        <a:t>Lactococcus garvieae</a:t>
+                      </a:r>
                     </a:p>
                   </a:txBody>
                   <a:tcPr marL="9525" marR="9525" marT="9525" marB="0" vert="eaVert" anchor="ctr">
@@ -11346,7 +11275,7 @@
                     <a:p>
                       <a:pPr algn="r" fontAlgn="ctr"/>
                       <a:r>
-                        <a:rPr lang="en-US" sz="1800" b="1" kern="1200" spc="-5" dirty="0" err="1">
+                        <a:rPr lang="en-US" sz="1800" b="1" kern="1200" spc="-5" dirty="0">
                           <a:solidFill>
                             <a:schemeClr val="tx1"/>
                           </a:solidFill>
@@ -11354,38 +11283,8 @@
                           <a:ea typeface="+mn-ea"/>
                           <a:cs typeface="Arial"/>
                         </a:rPr>
-                        <a:t>Pseudobutyrivibrio</a:t>
-                      </a:r>
-                      <a:r>
-                        <a:rPr lang="en-US" sz="1800" b="1" kern="1200" spc="-5" dirty="0">
-                          <a:solidFill>
-                            <a:schemeClr val="tx1"/>
-                          </a:solidFill>
-                          <a:latin typeface="Bahnschrift Condensed" panose="020B0502040204020203" pitchFamily="34" charset="0"/>
-                          <a:ea typeface="+mn-ea"/>
-                          <a:cs typeface="Arial"/>
-                        </a:rPr>
-                        <a:t> </a:t>
-                      </a:r>
-                      <a:r>
-                        <a:rPr lang="en-US" sz="1800" b="1" kern="1200" spc="-5" dirty="0" err="1">
-                          <a:solidFill>
-                            <a:schemeClr val="tx1"/>
-                          </a:solidFill>
-                          <a:latin typeface="Bahnschrift Condensed" panose="020B0502040204020203" pitchFamily="34" charset="0"/>
-                          <a:ea typeface="+mn-ea"/>
-                          <a:cs typeface="Arial"/>
-                        </a:rPr>
-                        <a:t>xylanivorans</a:t>
-                      </a:r>
-                      <a:endParaRPr lang="en-US" sz="1800" b="1" kern="1200" spc="-5" dirty="0">
-                        <a:solidFill>
-                          <a:schemeClr val="tx1"/>
-                        </a:solidFill>
-                        <a:latin typeface="Bahnschrift Condensed" panose="020B0502040204020203" pitchFamily="34" charset="0"/>
-                        <a:ea typeface="+mn-ea"/>
-                        <a:cs typeface="Arial"/>
-                      </a:endParaRPr>
+                        <a:t>Pseudobutyrivibrio xylanivorans</a:t>
+                      </a:r>
                     </a:p>
                   </a:txBody>
                   <a:tcPr marL="9525" marR="9525" marT="9525" marB="0" vert="eaVert" anchor="ctr">
@@ -11609,13 +11508,13 @@
           <p:nvPr>
             <p:extLst>
               <p:ext uri="{D42A27DB-BD31-4B8C-83A1-F6EECF244321}">
-                <p14:modId xmlns:p14="http://schemas.microsoft.com/office/powerpoint/2010/main" val="1010653861"/>
+                <p14:modId xmlns:p14="http://schemas.microsoft.com/office/powerpoint/2010/main" val="1512446199"/>
               </p:ext>
             </p:extLst>
           </p:nvPr>
         </p:nvGraphicFramePr>
         <p:xfrm>
-          <a:off x="11273507" y="1293775"/>
+          <a:off x="11273507" y="1019456"/>
           <a:ext cx="6344745" cy="2551833"/>
         </p:xfrm>
         <a:graphic>
@@ -13388,8 +13287,8 @@
           <p:nvPr/>
         </p:nvSpPr>
         <p:spPr>
-          <a:xfrm>
-            <a:off x="181470" y="12182545"/>
+          <a:xfrm rot="16200000">
+            <a:off x="744175" y="13470097"/>
             <a:ext cx="1835759" cy="584775"/>
           </a:xfrm>
           <a:prstGeom prst="rect">
@@ -13462,13 +13361,13 @@
           <p:nvPr>
             <p:extLst>
               <p:ext uri="{D42A27DB-BD31-4B8C-83A1-F6EECF244321}">
-                <p14:modId xmlns:p14="http://schemas.microsoft.com/office/powerpoint/2010/main" val="3966212657"/>
+                <p14:modId xmlns:p14="http://schemas.microsoft.com/office/powerpoint/2010/main" val="3917430997"/>
               </p:ext>
             </p:extLst>
           </p:nvPr>
         </p:nvGraphicFramePr>
         <p:xfrm>
-          <a:off x="2034201" y="10627661"/>
+          <a:off x="1883232" y="10627661"/>
           <a:ext cx="2412268" cy="6369036"/>
         </p:xfrm>
         <a:graphic>
@@ -15024,186 +14923,478 @@
       </p:graphicFrame>
       <p:sp>
         <p:nvSpPr>
-          <p:cNvPr id="3" name="TextBox 2">
+          <p:cNvPr id="2" name="Rectangle 1">
             <a:extLst>
               <a:ext uri="{FF2B5EF4-FFF2-40B4-BE49-F238E27FC236}">
-                <a16:creationId xmlns:a16="http://schemas.microsoft.com/office/drawing/2014/main" id="{FDC29479-E224-4B18-A9D8-8F16C962281B}"/>
+                <a16:creationId xmlns:a16="http://schemas.microsoft.com/office/drawing/2014/main" id="{EDFC415A-FA10-4D81-9A99-EF67CA589176}"/>
               </a:ext>
             </a:extLst>
           </p:cNvPr>
-          <p:cNvSpPr txBox="1"/>
+          <p:cNvSpPr/>
           <p:nvPr/>
         </p:nvSpPr>
         <p:spPr>
           <a:xfrm>
-            <a:off x="14178906" y="343508"/>
-            <a:ext cx="2260071" cy="646331"/>
+            <a:off x="4621615" y="3591560"/>
+            <a:ext cx="6274985" cy="260035"/>
           </a:xfrm>
           <a:prstGeom prst="rect">
             <a:avLst/>
           </a:prstGeom>
-          <a:noFill/>
+          <a:solidFill>
+            <a:srgbClr val="004586"/>
+          </a:solidFill>
         </p:spPr>
+        <p:style>
+          <a:lnRef idx="2">
+            <a:schemeClr val="accent1">
+              <a:shade val="50000"/>
+            </a:schemeClr>
+          </a:lnRef>
+          <a:fillRef idx="1">
+            <a:schemeClr val="accent1"/>
+          </a:fillRef>
+          <a:effectRef idx="0">
+            <a:schemeClr val="accent1"/>
+          </a:effectRef>
+          <a:fontRef idx="minor">
+            <a:schemeClr val="lt1"/>
+          </a:fontRef>
+        </p:style>
         <p:txBody>
-          <a:bodyPr wrap="square" rtlCol="0">
-            <a:spAutoFit/>
-          </a:bodyPr>
+          <a:bodyPr rtlCol="0" anchor="ctr"/>
           <a:lstStyle/>
           <a:p>
             <a:pPr algn="ctr"/>
             <a:r>
-              <a:rPr lang="en-US" sz="3600" u="sng" dirty="0"/>
-              <a:t>Fungi</a:t>
+              <a:rPr lang="en-US" altLang="zh-CN" b="1" dirty="0"/>
+              <a:t>Bacteria</a:t>
             </a:r>
-            <a:endParaRPr lang="en-HK" sz="3600" u="sng" dirty="0"/>
+            <a:endParaRPr lang="zh-CN" altLang="en-US" b="1" dirty="0"/>
           </a:p>
         </p:txBody>
       </p:sp>
       <p:sp>
         <p:nvSpPr>
-          <p:cNvPr id="398" name="TextBox 397">
+          <p:cNvPr id="64" name="Rectangle 63">
             <a:extLst>
               <a:ext uri="{FF2B5EF4-FFF2-40B4-BE49-F238E27FC236}">
-                <a16:creationId xmlns:a16="http://schemas.microsoft.com/office/drawing/2014/main" id="{C436E3E6-9370-452C-B571-8BAE385CF8CD}"/>
+                <a16:creationId xmlns:a16="http://schemas.microsoft.com/office/drawing/2014/main" id="{98413855-F9FF-44EB-8997-E7B4DB76F996}"/>
               </a:ext>
             </a:extLst>
           </p:cNvPr>
-          <p:cNvSpPr txBox="1"/>
+          <p:cNvSpPr/>
           <p:nvPr/>
         </p:nvSpPr>
         <p:spPr>
           <a:xfrm>
-            <a:off x="6144475" y="343508"/>
-            <a:ext cx="2260071" cy="646331"/>
+            <a:off x="11278447" y="3584949"/>
+            <a:ext cx="6339805" cy="260035"/>
           </a:xfrm>
           <a:prstGeom prst="rect">
             <a:avLst/>
           </a:prstGeom>
-          <a:noFill/>
+          <a:solidFill>
+            <a:srgbClr val="FF3333"/>
+          </a:solidFill>
         </p:spPr>
+        <p:style>
+          <a:lnRef idx="2">
+            <a:schemeClr val="accent1">
+              <a:shade val="50000"/>
+            </a:schemeClr>
+          </a:lnRef>
+          <a:fillRef idx="1">
+            <a:schemeClr val="accent1"/>
+          </a:fillRef>
+          <a:effectRef idx="0">
+            <a:schemeClr val="accent1"/>
+          </a:effectRef>
+          <a:fontRef idx="minor">
+            <a:schemeClr val="lt1"/>
+          </a:fontRef>
+        </p:style>
         <p:txBody>
-          <a:bodyPr wrap="square" rtlCol="0">
-            <a:spAutoFit/>
-          </a:bodyPr>
+          <a:bodyPr rtlCol="0" anchor="ctr"/>
           <a:lstStyle/>
           <a:p>
             <a:pPr algn="ctr"/>
             <a:r>
-              <a:rPr lang="en-US" sz="3600" u="sng" dirty="0"/>
-              <a:t>Bacteria</a:t>
+              <a:rPr lang="en-US" altLang="zh-CN" b="1" dirty="0"/>
+              <a:t>Fungi</a:t>
             </a:r>
-            <a:endParaRPr lang="en-HK" sz="3600" u="sng" dirty="0"/>
+            <a:endParaRPr lang="zh-CN" altLang="en-US" b="1" dirty="0"/>
           </a:p>
         </p:txBody>
       </p:sp>
       <p:sp>
         <p:nvSpPr>
-          <p:cNvPr id="399" name="TextBox 398">
+          <p:cNvPr id="68" name="Rectangle 67">
             <a:extLst>
               <a:ext uri="{FF2B5EF4-FFF2-40B4-BE49-F238E27FC236}">
-                <a16:creationId xmlns:a16="http://schemas.microsoft.com/office/drawing/2014/main" id="{9FC311FE-4FC6-4348-9EC3-3D2D827723AD}"/>
+                <a16:creationId xmlns:a16="http://schemas.microsoft.com/office/drawing/2014/main" id="{772986CF-0703-48A7-BD0C-7E2B7F0E4976}"/>
               </a:ext>
             </a:extLst>
           </p:cNvPr>
-          <p:cNvSpPr txBox="1"/>
+          <p:cNvSpPr/>
           <p:nvPr/>
         </p:nvSpPr>
         <p:spPr>
           <a:xfrm rot="16200000">
-            <a:off x="410235" y="6957700"/>
-            <a:ext cx="2260071" cy="646331"/>
+            <a:off x="1278797" y="6917555"/>
+            <a:ext cx="6339805" cy="260035"/>
           </a:xfrm>
           <a:prstGeom prst="rect">
             <a:avLst/>
           </a:prstGeom>
-          <a:noFill/>
+          <a:solidFill>
+            <a:srgbClr val="FF3333"/>
+          </a:solidFill>
         </p:spPr>
+        <p:style>
+          <a:lnRef idx="2">
+            <a:schemeClr val="accent1">
+              <a:shade val="50000"/>
+            </a:schemeClr>
+          </a:lnRef>
+          <a:fillRef idx="1">
+            <a:schemeClr val="accent1"/>
+          </a:fillRef>
+          <a:effectRef idx="0">
+            <a:schemeClr val="accent1"/>
+          </a:effectRef>
+          <a:fontRef idx="minor">
+            <a:schemeClr val="lt1"/>
+          </a:fontRef>
+        </p:style>
         <p:txBody>
-          <a:bodyPr wrap="square" rtlCol="0">
-            <a:spAutoFit/>
-          </a:bodyPr>
+          <a:bodyPr rtlCol="0" anchor="ctr"/>
           <a:lstStyle/>
           <a:p>
             <a:pPr algn="ctr"/>
             <a:r>
-              <a:rPr lang="en-US" sz="3600" u="sng" dirty="0"/>
+              <a:rPr lang="en-US" altLang="zh-CN" b="1" dirty="0"/>
               <a:t>Fungi</a:t>
             </a:r>
-            <a:endParaRPr lang="en-HK" sz="3600" u="sng" dirty="0"/>
+            <a:endParaRPr lang="zh-CN" altLang="en-US" b="1" dirty="0"/>
           </a:p>
         </p:txBody>
       </p:sp>
       <p:sp>
         <p:nvSpPr>
-          <p:cNvPr id="400" name="TextBox 399">
+          <p:cNvPr id="69" name="Rectangle 68">
             <a:extLst>
               <a:ext uri="{FF2B5EF4-FFF2-40B4-BE49-F238E27FC236}">
-                <a16:creationId xmlns:a16="http://schemas.microsoft.com/office/drawing/2014/main" id="{C8526DED-7A89-4A7F-9C8C-FC2690F1B930}"/>
+                <a16:creationId xmlns:a16="http://schemas.microsoft.com/office/drawing/2014/main" id="{86A04406-CC12-46D6-8A9E-84CC8B01C9BF}"/>
               </a:ext>
             </a:extLst>
           </p:cNvPr>
-          <p:cNvSpPr txBox="1"/>
+          <p:cNvSpPr/>
           <p:nvPr/>
         </p:nvSpPr>
         <p:spPr>
           <a:xfrm rot="16200000">
-            <a:off x="410235" y="20879679"/>
-            <a:ext cx="2260071" cy="646331"/>
+            <a:off x="1246310" y="13618453"/>
+            <a:ext cx="6404782" cy="260035"/>
           </a:xfrm>
           <a:prstGeom prst="rect">
             <a:avLst/>
           </a:prstGeom>
-          <a:noFill/>
+          <a:solidFill>
+            <a:srgbClr val="FF3333"/>
+          </a:solidFill>
         </p:spPr>
+        <p:style>
+          <a:lnRef idx="2">
+            <a:schemeClr val="accent1">
+              <a:shade val="50000"/>
+            </a:schemeClr>
+          </a:lnRef>
+          <a:fillRef idx="1">
+            <a:schemeClr val="accent1"/>
+          </a:fillRef>
+          <a:effectRef idx="0">
+            <a:schemeClr val="accent1"/>
+          </a:effectRef>
+          <a:fontRef idx="minor">
+            <a:schemeClr val="lt1"/>
+          </a:fontRef>
+        </p:style>
         <p:txBody>
-          <a:bodyPr wrap="square" rtlCol="0">
-            <a:spAutoFit/>
-          </a:bodyPr>
+          <a:bodyPr rtlCol="0" anchor="ctr"/>
           <a:lstStyle/>
           <a:p>
             <a:pPr algn="ctr"/>
             <a:r>
-              <a:rPr lang="en-US" sz="3600" u="sng" dirty="0"/>
+              <a:rPr lang="en-US" altLang="zh-CN" b="1" dirty="0"/>
               <a:t>Fungi</a:t>
             </a:r>
-            <a:endParaRPr lang="en-HK" sz="3600" u="sng" dirty="0"/>
+            <a:endParaRPr lang="zh-CN" altLang="en-US" b="1" dirty="0"/>
           </a:p>
         </p:txBody>
       </p:sp>
       <p:sp>
         <p:nvSpPr>
-          <p:cNvPr id="401" name="TextBox 400">
+          <p:cNvPr id="70" name="Rectangle 69">
             <a:extLst>
               <a:ext uri="{FF2B5EF4-FFF2-40B4-BE49-F238E27FC236}">
-                <a16:creationId xmlns:a16="http://schemas.microsoft.com/office/drawing/2014/main" id="{9A0664B6-2659-40FA-97E0-098D7E7C55AB}"/>
+                <a16:creationId xmlns:a16="http://schemas.microsoft.com/office/drawing/2014/main" id="{38E64C0A-7A41-4547-98E2-32753D9E6D37}"/>
               </a:ext>
             </a:extLst>
           </p:cNvPr>
-          <p:cNvSpPr txBox="1"/>
+          <p:cNvSpPr/>
           <p:nvPr/>
         </p:nvSpPr>
         <p:spPr>
           <a:xfrm rot="16200000">
-            <a:off x="410235" y="14321854"/>
-            <a:ext cx="2260071" cy="646331"/>
+            <a:off x="1264184" y="20343176"/>
+            <a:ext cx="6369034" cy="260035"/>
           </a:xfrm>
           <a:prstGeom prst="rect">
             <a:avLst/>
           </a:prstGeom>
-          <a:noFill/>
+          <a:solidFill>
+            <a:srgbClr val="FF3333"/>
+          </a:solidFill>
         </p:spPr>
+        <p:style>
+          <a:lnRef idx="2">
+            <a:schemeClr val="accent1">
+              <a:shade val="50000"/>
+            </a:schemeClr>
+          </a:lnRef>
+          <a:fillRef idx="1">
+            <a:schemeClr val="accent1"/>
+          </a:fillRef>
+          <a:effectRef idx="0">
+            <a:schemeClr val="accent1"/>
+          </a:effectRef>
+          <a:fontRef idx="minor">
+            <a:schemeClr val="lt1"/>
+          </a:fontRef>
+        </p:style>
         <p:txBody>
-          <a:bodyPr wrap="square" rtlCol="0">
-            <a:spAutoFit/>
-          </a:bodyPr>
+          <a:bodyPr rtlCol="0" anchor="ctr"/>
           <a:lstStyle/>
           <a:p>
             <a:pPr algn="ctr"/>
             <a:r>
-              <a:rPr lang="en-US" sz="3600" u="sng" dirty="0"/>
+              <a:rPr lang="en-US" altLang="zh-CN" b="1" dirty="0"/>
               <a:t>Fungi</a:t>
             </a:r>
-            <a:endParaRPr lang="en-HK" sz="3600" u="sng" dirty="0"/>
+            <a:endParaRPr lang="zh-CN" altLang="en-US" b="1" dirty="0"/>
+          </a:p>
+        </p:txBody>
+      </p:sp>
+      <p:sp>
+        <p:nvSpPr>
+          <p:cNvPr id="71" name="Rectangle 70">
+            <a:extLst>
+              <a:ext uri="{FF2B5EF4-FFF2-40B4-BE49-F238E27FC236}">
+                <a16:creationId xmlns:a16="http://schemas.microsoft.com/office/drawing/2014/main" id="{9036BBF2-F828-493E-AB8D-54DAE83F6DAA}"/>
+              </a:ext>
+            </a:extLst>
+          </p:cNvPr>
+          <p:cNvSpPr/>
+          <p:nvPr/>
+        </p:nvSpPr>
+        <p:spPr>
+          <a:xfrm>
+            <a:off x="11278447" y="10262329"/>
+            <a:ext cx="6339805" cy="260035"/>
+          </a:xfrm>
+          <a:prstGeom prst="rect">
+            <a:avLst/>
+          </a:prstGeom>
+          <a:solidFill>
+            <a:srgbClr val="FF3333"/>
+          </a:solidFill>
+        </p:spPr>
+        <p:style>
+          <a:lnRef idx="2">
+            <a:schemeClr val="accent1">
+              <a:shade val="50000"/>
+            </a:schemeClr>
+          </a:lnRef>
+          <a:fillRef idx="1">
+            <a:schemeClr val="accent1"/>
+          </a:fillRef>
+          <a:effectRef idx="0">
+            <a:schemeClr val="accent1"/>
+          </a:effectRef>
+          <a:fontRef idx="minor">
+            <a:schemeClr val="lt1"/>
+          </a:fontRef>
+        </p:style>
+        <p:txBody>
+          <a:bodyPr rtlCol="0" anchor="ctr"/>
+          <a:lstStyle/>
+          <a:p>
+            <a:pPr algn="ctr"/>
+            <a:r>
+              <a:rPr lang="en-US" altLang="zh-CN" b="1" dirty="0"/>
+              <a:t>Fungi</a:t>
+            </a:r>
+            <a:endParaRPr lang="zh-CN" altLang="en-US" b="1" dirty="0"/>
+          </a:p>
+        </p:txBody>
+      </p:sp>
+      <p:sp>
+        <p:nvSpPr>
+          <p:cNvPr id="72" name="Rectangle 71">
+            <a:extLst>
+              <a:ext uri="{FF2B5EF4-FFF2-40B4-BE49-F238E27FC236}">
+                <a16:creationId xmlns:a16="http://schemas.microsoft.com/office/drawing/2014/main" id="{734D3C27-9708-414D-9D21-CC0C25B21235}"/>
+              </a:ext>
+            </a:extLst>
+          </p:cNvPr>
+          <p:cNvSpPr/>
+          <p:nvPr/>
+        </p:nvSpPr>
+        <p:spPr>
+          <a:xfrm>
+            <a:off x="11278447" y="17009409"/>
+            <a:ext cx="6339805" cy="260035"/>
+          </a:xfrm>
+          <a:prstGeom prst="rect">
+            <a:avLst/>
+          </a:prstGeom>
+          <a:solidFill>
+            <a:srgbClr val="FF3333"/>
+          </a:solidFill>
+        </p:spPr>
+        <p:style>
+          <a:lnRef idx="2">
+            <a:schemeClr val="accent1">
+              <a:shade val="50000"/>
+            </a:schemeClr>
+          </a:lnRef>
+          <a:fillRef idx="1">
+            <a:schemeClr val="accent1"/>
+          </a:fillRef>
+          <a:effectRef idx="0">
+            <a:schemeClr val="accent1"/>
+          </a:effectRef>
+          <a:fontRef idx="minor">
+            <a:schemeClr val="lt1"/>
+          </a:fontRef>
+        </p:style>
+        <p:txBody>
+          <a:bodyPr rtlCol="0" anchor="ctr"/>
+          <a:lstStyle/>
+          <a:p>
+            <a:pPr algn="ctr"/>
+            <a:r>
+              <a:rPr lang="en-US" altLang="zh-CN" b="1" dirty="0"/>
+              <a:t>Fungi</a:t>
+            </a:r>
+            <a:endParaRPr lang="zh-CN" altLang="en-US" b="1" dirty="0"/>
+          </a:p>
+        </p:txBody>
+      </p:sp>
+      <p:sp>
+        <p:nvSpPr>
+          <p:cNvPr id="73" name="Rectangle 72">
+            <a:extLst>
+              <a:ext uri="{FF2B5EF4-FFF2-40B4-BE49-F238E27FC236}">
+                <a16:creationId xmlns:a16="http://schemas.microsoft.com/office/drawing/2014/main" id="{E049A7DB-97F9-4862-9473-C278CA275848}"/>
+              </a:ext>
+            </a:extLst>
+          </p:cNvPr>
+          <p:cNvSpPr/>
+          <p:nvPr/>
+        </p:nvSpPr>
+        <p:spPr>
+          <a:xfrm>
+            <a:off x="4621615" y="10262329"/>
+            <a:ext cx="6274985" cy="260035"/>
+          </a:xfrm>
+          <a:prstGeom prst="rect">
+            <a:avLst/>
+          </a:prstGeom>
+          <a:solidFill>
+            <a:srgbClr val="004586"/>
+          </a:solidFill>
+        </p:spPr>
+        <p:style>
+          <a:lnRef idx="2">
+            <a:schemeClr val="accent1">
+              <a:shade val="50000"/>
+            </a:schemeClr>
+          </a:lnRef>
+          <a:fillRef idx="1">
+            <a:schemeClr val="accent1"/>
+          </a:fillRef>
+          <a:effectRef idx="0">
+            <a:schemeClr val="accent1"/>
+          </a:effectRef>
+          <a:fontRef idx="minor">
+            <a:schemeClr val="lt1"/>
+          </a:fontRef>
+        </p:style>
+        <p:txBody>
+          <a:bodyPr rtlCol="0" anchor="ctr"/>
+          <a:lstStyle/>
+          <a:p>
+            <a:pPr algn="ctr"/>
+            <a:r>
+              <a:rPr lang="en-US" altLang="zh-CN" b="1" dirty="0"/>
+              <a:t>Bacteria</a:t>
+            </a:r>
+            <a:endParaRPr lang="zh-CN" altLang="en-US" b="1" dirty="0"/>
+          </a:p>
+        </p:txBody>
+      </p:sp>
+      <p:sp>
+        <p:nvSpPr>
+          <p:cNvPr id="74" name="Rectangle 73">
+            <a:extLst>
+              <a:ext uri="{FF2B5EF4-FFF2-40B4-BE49-F238E27FC236}">
+                <a16:creationId xmlns:a16="http://schemas.microsoft.com/office/drawing/2014/main" id="{01C235A6-359D-4B99-AC11-5E2C44040657}"/>
+              </a:ext>
+            </a:extLst>
+          </p:cNvPr>
+          <p:cNvSpPr/>
+          <p:nvPr/>
+        </p:nvSpPr>
+        <p:spPr>
+          <a:xfrm>
+            <a:off x="4621615" y="17009409"/>
+            <a:ext cx="6274985" cy="260035"/>
+          </a:xfrm>
+          <a:prstGeom prst="rect">
+            <a:avLst/>
+          </a:prstGeom>
+          <a:solidFill>
+            <a:srgbClr val="004586"/>
+          </a:solidFill>
+        </p:spPr>
+        <p:style>
+          <a:lnRef idx="2">
+            <a:schemeClr val="accent1">
+              <a:shade val="50000"/>
+            </a:schemeClr>
+          </a:lnRef>
+          <a:fillRef idx="1">
+            <a:schemeClr val="accent1"/>
+          </a:fillRef>
+          <a:effectRef idx="0">
+            <a:schemeClr val="accent1"/>
+          </a:effectRef>
+          <a:fontRef idx="minor">
+            <a:schemeClr val="lt1"/>
+          </a:fontRef>
+        </p:style>
+        <p:txBody>
+          <a:bodyPr rtlCol="0" anchor="ctr"/>
+          <a:lstStyle/>
+          <a:p>
+            <a:pPr algn="ctr"/>
+            <a:r>
+              <a:rPr lang="en-US" altLang="zh-CN" b="1" dirty="0"/>
+              <a:t>Bacteria</a:t>
+            </a:r>
+            <a:endParaRPr lang="zh-CN" altLang="en-US" b="1" dirty="0"/>
           </a:p>
         </p:txBody>
       </p:sp>

--- a/Yu Feng CRC-fungi-Re1 (JY)/Figure 5-Re (JY)-Re (YF).pptx
+++ b/Yu Feng CRC-fungi-Re1 (JY)/Figure 5-Re (JY)-Re (YF).pptx
@@ -255,7 +255,7 @@
           <a:p>
             <a:fld id="{EC74FADF-D0C6-45B9-9519-8E9831A40386}" type="datetimeFigureOut">
               <a:rPr lang="en-HK" smtClean="0"/>
-              <a:t>22/10/2021</a:t>
+              <a:t>25/10/2021</a:t>
             </a:fld>
             <a:endParaRPr lang="en-HK"/>
           </a:p>
@@ -425,7 +425,7 @@
           <a:p>
             <a:fld id="{EC74FADF-D0C6-45B9-9519-8E9831A40386}" type="datetimeFigureOut">
               <a:rPr lang="en-HK" smtClean="0"/>
-              <a:t>22/10/2021</a:t>
+              <a:t>25/10/2021</a:t>
             </a:fld>
             <a:endParaRPr lang="en-HK"/>
           </a:p>
@@ -605,7 +605,7 @@
           <a:p>
             <a:fld id="{EC74FADF-D0C6-45B9-9519-8E9831A40386}" type="datetimeFigureOut">
               <a:rPr lang="en-HK" smtClean="0"/>
-              <a:t>22/10/2021</a:t>
+              <a:t>25/10/2021</a:t>
             </a:fld>
             <a:endParaRPr lang="en-HK"/>
           </a:p>
@@ -775,7 +775,7 @@
           <a:p>
             <a:fld id="{EC74FADF-D0C6-45B9-9519-8E9831A40386}" type="datetimeFigureOut">
               <a:rPr lang="en-HK" smtClean="0"/>
-              <a:t>22/10/2021</a:t>
+              <a:t>25/10/2021</a:t>
             </a:fld>
             <a:endParaRPr lang="en-HK"/>
           </a:p>
@@ -1019,7 +1019,7 @@
           <a:p>
             <a:fld id="{EC74FADF-D0C6-45B9-9519-8E9831A40386}" type="datetimeFigureOut">
               <a:rPr lang="en-HK" smtClean="0"/>
-              <a:t>22/10/2021</a:t>
+              <a:t>25/10/2021</a:t>
             </a:fld>
             <a:endParaRPr lang="en-HK"/>
           </a:p>
@@ -1251,7 +1251,7 @@
           <a:p>
             <a:fld id="{EC74FADF-D0C6-45B9-9519-8E9831A40386}" type="datetimeFigureOut">
               <a:rPr lang="en-HK" smtClean="0"/>
-              <a:t>22/10/2021</a:t>
+              <a:t>25/10/2021</a:t>
             </a:fld>
             <a:endParaRPr lang="en-HK"/>
           </a:p>
@@ -1618,7 +1618,7 @@
           <a:p>
             <a:fld id="{EC74FADF-D0C6-45B9-9519-8E9831A40386}" type="datetimeFigureOut">
               <a:rPr lang="en-HK" smtClean="0"/>
-              <a:t>22/10/2021</a:t>
+              <a:t>25/10/2021</a:t>
             </a:fld>
             <a:endParaRPr lang="en-HK"/>
           </a:p>
@@ -1736,7 +1736,7 @@
           <a:p>
             <a:fld id="{EC74FADF-D0C6-45B9-9519-8E9831A40386}" type="datetimeFigureOut">
               <a:rPr lang="en-HK" smtClean="0"/>
-              <a:t>22/10/2021</a:t>
+              <a:t>25/10/2021</a:t>
             </a:fld>
             <a:endParaRPr lang="en-HK"/>
           </a:p>
@@ -1831,7 +1831,7 @@
           <a:p>
             <a:fld id="{EC74FADF-D0C6-45B9-9519-8E9831A40386}" type="datetimeFigureOut">
               <a:rPr lang="en-HK" smtClean="0"/>
-              <a:t>22/10/2021</a:t>
+              <a:t>25/10/2021</a:t>
             </a:fld>
             <a:endParaRPr lang="en-HK"/>
           </a:p>
@@ -2108,7 +2108,7 @@
           <a:p>
             <a:fld id="{EC74FADF-D0C6-45B9-9519-8E9831A40386}" type="datetimeFigureOut">
               <a:rPr lang="en-HK" smtClean="0"/>
-              <a:t>22/10/2021</a:t>
+              <a:t>25/10/2021</a:t>
             </a:fld>
             <a:endParaRPr lang="en-HK"/>
           </a:p>
@@ -2365,7 +2365,7 @@
           <a:p>
             <a:fld id="{EC74FADF-D0C6-45B9-9519-8E9831A40386}" type="datetimeFigureOut">
               <a:rPr lang="en-HK" smtClean="0"/>
-              <a:t>22/10/2021</a:t>
+              <a:t>25/10/2021</a:t>
             </a:fld>
             <a:endParaRPr lang="en-HK"/>
           </a:p>
@@ -2578,7 +2578,7 @@
           <a:p>
             <a:fld id="{EC74FADF-D0C6-45B9-9519-8E9831A40386}" type="datetimeFigureOut">
               <a:rPr lang="en-HK" smtClean="0"/>
-              <a:t>22/10/2021</a:t>
+              <a:t>25/10/2021</a:t>
             </a:fld>
             <a:endParaRPr lang="en-HK"/>
           </a:p>
